--- a/BMR Project Presentation.pptx
+++ b/BMR Project Presentation.pptx
@@ -4652,7 +4652,7 @@
                   <a:schemeClr val="bg1"/>
                 </a:solidFill>
               </a:rPr>
-              <a:t>Scenario 1: decrease operation costs</a:t>
+              <a:t>Scenario 1: decrease operating costs</a:t>
             </a:r>
           </a:p>
           <a:p>
@@ -4663,7 +4663,23 @@
                   <a:schemeClr val="bg1"/>
                 </a:solidFill>
               </a:rPr>
-              <a:t>Scenario 2: increase operation costs, increase revenue</a:t>
+              <a:t>Scenario 2: </a:t>
+            </a:r>
+            <a:r>
+              <a:rPr lang="en-US">
+                <a:solidFill>
+                  <a:schemeClr val="bg1"/>
+                </a:solidFill>
+              </a:rPr>
+              <a:t>increase operating </a:t>
+            </a:r>
+            <a:r>
+              <a:rPr lang="en-US" dirty="0">
+                <a:solidFill>
+                  <a:schemeClr val="bg1"/>
+                </a:solidFill>
+              </a:rPr>
+              <a:t>costs, increase revenue</a:t>
             </a:r>
           </a:p>
         </p:txBody>
